--- a/Assignments/Gradebook App PowerPont/Austin Brand/Javascript_Gradebook_Storyboard.pptx
+++ b/Assignments/Gradebook App PowerPont/Austin Brand/Javascript_Gradebook_Storyboard.pptx
@@ -5763,7 +5763,7 @@
         </p:nvSpPr>
         <p:spPr>
           <a:xfrm>
-            <a:off x="221673" y="5535543"/>
+            <a:off x="251130" y="5535543"/>
             <a:ext cx="1898073" cy="707886"/>
           </a:xfrm>
           <a:prstGeom prst="rect">
@@ -5796,6 +5796,417 @@
               <a:t>Teacher Course History</a:t>
             </a:r>
             <a:endParaRPr lang="en-US" sz="2000" dirty="0"/>
+          </a:p>
+        </p:txBody>
+      </p:sp>
+      <p:graphicFrame>
+        <p:nvGraphicFramePr>
+          <p:cNvPr id="12" name="Table 11"/>
+          <p:cNvGraphicFramePr>
+            <a:graphicFrameLocks noGrp="1"/>
+          </p:cNvGraphicFramePr>
+          <p:nvPr>
+            <p:extLst>
+              <p:ext uri="{D42A27DB-BD31-4B8C-83A1-F6EECF244321}">
+                <p14:modId xmlns:p14="http://schemas.microsoft.com/office/powerpoint/2010/main" val="3843508669"/>
+              </p:ext>
+            </p:extLst>
+          </p:nvPr>
+        </p:nvGraphicFramePr>
+        <p:xfrm>
+          <a:off x="2514602" y="1414780"/>
+          <a:ext cx="6477000" cy="5227320"/>
+        </p:xfrm>
+        <a:graphic>
+          <a:graphicData uri="http://schemas.openxmlformats.org/drawingml/2006/table">
+            <a:tbl>
+              <a:tblPr firstRow="1" bandRow="1">
+                <a:tableStyleId>{5C22544A-7EE6-4342-B048-85BDC9FD1C3A}</a:tableStyleId>
+              </a:tblPr>
+              <a:tblGrid>
+                <a:gridCol w="1216338"/>
+                <a:gridCol w="1216338"/>
+                <a:gridCol w="1377322"/>
+                <a:gridCol w="1055354"/>
+                <a:gridCol w="1611648"/>
+              </a:tblGrid>
+              <a:tr h="871220">
+                <a:tc>
+                  <a:txBody>
+                    <a:bodyPr/>
+                    <a:lstStyle/>
+                    <a:p>
+                      <a:r>
+                        <a:rPr lang="en-US" dirty="0" smtClean="0"/>
+                        <a:t>Student Name</a:t>
+                      </a:r>
+                      <a:endParaRPr lang="en-US" dirty="0"/>
+                    </a:p>
+                  </a:txBody>
+                  <a:tcPr/>
+                </a:tc>
+                <a:tc>
+                  <a:txBody>
+                    <a:bodyPr/>
+                    <a:lstStyle/>
+                    <a:p>
+                      <a:r>
+                        <a:rPr lang="en-US" dirty="0" smtClean="0"/>
+                        <a:t>Email:</a:t>
+                      </a:r>
+                      <a:endParaRPr lang="en-US" dirty="0"/>
+                    </a:p>
+                  </a:txBody>
+                  <a:tcPr/>
+                </a:tc>
+                <a:tc>
+                  <a:txBody>
+                    <a:bodyPr/>
+                    <a:lstStyle/>
+                    <a:p>
+                      <a:r>
+                        <a:rPr lang="en-US" sz="1600" dirty="0" smtClean="0"/>
+                        <a:t>Assignments</a:t>
+                      </a:r>
+                      <a:endParaRPr lang="en-US" sz="1600" dirty="0"/>
+                    </a:p>
+                  </a:txBody>
+                  <a:tcPr/>
+                </a:tc>
+                <a:tc>
+                  <a:txBody>
+                    <a:bodyPr/>
+                    <a:lstStyle/>
+                    <a:p>
+                      <a:r>
+                        <a:rPr lang="en-US" dirty="0" smtClean="0"/>
+                        <a:t>Grade</a:t>
+                      </a:r>
+                      <a:endParaRPr lang="en-US" dirty="0"/>
+                    </a:p>
+                  </a:txBody>
+                  <a:tcPr/>
+                </a:tc>
+                <a:tc>
+                  <a:txBody>
+                    <a:bodyPr/>
+                    <a:lstStyle/>
+                    <a:p>
+                      <a:r>
+                        <a:rPr lang="en-US" dirty="0" smtClean="0"/>
+                        <a:t>Comments</a:t>
+                      </a:r>
+                      <a:endParaRPr lang="en-US" dirty="0"/>
+                    </a:p>
+                  </a:txBody>
+                  <a:tcPr/>
+                </a:tc>
+              </a:tr>
+              <a:tr h="871220">
+                <a:tc>
+                  <a:txBody>
+                    <a:bodyPr/>
+                    <a:lstStyle/>
+                    <a:p>
+                      <a:endParaRPr lang="en-US" dirty="0"/>
+                    </a:p>
+                  </a:txBody>
+                  <a:tcPr/>
+                </a:tc>
+                <a:tc>
+                  <a:txBody>
+                    <a:bodyPr/>
+                    <a:lstStyle/>
+                    <a:p>
+                      <a:endParaRPr lang="en-US" dirty="0"/>
+                    </a:p>
+                  </a:txBody>
+                  <a:tcPr/>
+                </a:tc>
+                <a:tc>
+                  <a:txBody>
+                    <a:bodyPr/>
+                    <a:lstStyle/>
+                    <a:p>
+                      <a:endParaRPr lang="en-US" sz="1600" dirty="0"/>
+                    </a:p>
+                  </a:txBody>
+                  <a:tcPr/>
+                </a:tc>
+                <a:tc>
+                  <a:txBody>
+                    <a:bodyPr/>
+                    <a:lstStyle/>
+                    <a:p>
+                      <a:endParaRPr lang="en-US" dirty="0"/>
+                    </a:p>
+                  </a:txBody>
+                  <a:tcPr/>
+                </a:tc>
+                <a:tc>
+                  <a:txBody>
+                    <a:bodyPr/>
+                    <a:lstStyle/>
+                    <a:p>
+                      <a:endParaRPr lang="en-US" dirty="0"/>
+                    </a:p>
+                  </a:txBody>
+                  <a:tcPr/>
+                </a:tc>
+              </a:tr>
+              <a:tr h="871220">
+                <a:tc>
+                  <a:txBody>
+                    <a:bodyPr/>
+                    <a:lstStyle/>
+                    <a:p>
+                      <a:endParaRPr lang="en-US" dirty="0"/>
+                    </a:p>
+                  </a:txBody>
+                  <a:tcPr/>
+                </a:tc>
+                <a:tc>
+                  <a:txBody>
+                    <a:bodyPr/>
+                    <a:lstStyle/>
+                    <a:p>
+                      <a:endParaRPr lang="en-US" dirty="0"/>
+                    </a:p>
+                  </a:txBody>
+                  <a:tcPr/>
+                </a:tc>
+                <a:tc>
+                  <a:txBody>
+                    <a:bodyPr/>
+                    <a:lstStyle/>
+                    <a:p>
+                      <a:endParaRPr lang="en-US" sz="1600" dirty="0"/>
+                    </a:p>
+                  </a:txBody>
+                  <a:tcPr/>
+                </a:tc>
+                <a:tc>
+                  <a:txBody>
+                    <a:bodyPr/>
+                    <a:lstStyle/>
+                    <a:p>
+                      <a:endParaRPr lang="en-US" dirty="0"/>
+                    </a:p>
+                  </a:txBody>
+                  <a:tcPr/>
+                </a:tc>
+                <a:tc>
+                  <a:txBody>
+                    <a:bodyPr/>
+                    <a:lstStyle/>
+                    <a:p>
+                      <a:endParaRPr lang="en-US" dirty="0"/>
+                    </a:p>
+                  </a:txBody>
+                  <a:tcPr/>
+                </a:tc>
+              </a:tr>
+              <a:tr h="871220">
+                <a:tc>
+                  <a:txBody>
+                    <a:bodyPr/>
+                    <a:lstStyle/>
+                    <a:p>
+                      <a:endParaRPr lang="en-US" dirty="0"/>
+                    </a:p>
+                  </a:txBody>
+                  <a:tcPr/>
+                </a:tc>
+                <a:tc>
+                  <a:txBody>
+                    <a:bodyPr/>
+                    <a:lstStyle/>
+                    <a:p>
+                      <a:endParaRPr lang="en-US" dirty="0"/>
+                    </a:p>
+                  </a:txBody>
+                  <a:tcPr/>
+                </a:tc>
+                <a:tc>
+                  <a:txBody>
+                    <a:bodyPr/>
+                    <a:lstStyle/>
+                    <a:p>
+                      <a:endParaRPr lang="en-US" sz="1600" dirty="0"/>
+                    </a:p>
+                  </a:txBody>
+                  <a:tcPr/>
+                </a:tc>
+                <a:tc>
+                  <a:txBody>
+                    <a:bodyPr/>
+                    <a:lstStyle/>
+                    <a:p>
+                      <a:endParaRPr lang="en-US" dirty="0"/>
+                    </a:p>
+                  </a:txBody>
+                  <a:tcPr/>
+                </a:tc>
+                <a:tc>
+                  <a:txBody>
+                    <a:bodyPr/>
+                    <a:lstStyle/>
+                    <a:p>
+                      <a:endParaRPr lang="en-US" dirty="0"/>
+                    </a:p>
+                  </a:txBody>
+                  <a:tcPr/>
+                </a:tc>
+              </a:tr>
+              <a:tr h="871220">
+                <a:tc>
+                  <a:txBody>
+                    <a:bodyPr/>
+                    <a:lstStyle/>
+                    <a:p>
+                      <a:endParaRPr lang="en-US" dirty="0"/>
+                    </a:p>
+                  </a:txBody>
+                  <a:tcPr/>
+                </a:tc>
+                <a:tc>
+                  <a:txBody>
+                    <a:bodyPr/>
+                    <a:lstStyle/>
+                    <a:p>
+                      <a:endParaRPr lang="en-US" dirty="0"/>
+                    </a:p>
+                  </a:txBody>
+                  <a:tcPr/>
+                </a:tc>
+                <a:tc>
+                  <a:txBody>
+                    <a:bodyPr/>
+                    <a:lstStyle/>
+                    <a:p>
+                      <a:endParaRPr lang="en-US" sz="1600" dirty="0"/>
+                    </a:p>
+                  </a:txBody>
+                  <a:tcPr/>
+                </a:tc>
+                <a:tc>
+                  <a:txBody>
+                    <a:bodyPr/>
+                    <a:lstStyle/>
+                    <a:p>
+                      <a:endParaRPr lang="en-US" dirty="0"/>
+                    </a:p>
+                  </a:txBody>
+                  <a:tcPr/>
+                </a:tc>
+                <a:tc>
+                  <a:txBody>
+                    <a:bodyPr/>
+                    <a:lstStyle/>
+                    <a:p>
+                      <a:endParaRPr lang="en-US" dirty="0"/>
+                    </a:p>
+                  </a:txBody>
+                  <a:tcPr/>
+                </a:tc>
+              </a:tr>
+              <a:tr h="871220">
+                <a:tc>
+                  <a:txBody>
+                    <a:bodyPr/>
+                    <a:lstStyle/>
+                    <a:p>
+                      <a:endParaRPr lang="en-US" dirty="0"/>
+                    </a:p>
+                  </a:txBody>
+                  <a:tcPr/>
+                </a:tc>
+                <a:tc>
+                  <a:txBody>
+                    <a:bodyPr/>
+                    <a:lstStyle/>
+                    <a:p>
+                      <a:endParaRPr lang="en-US" dirty="0"/>
+                    </a:p>
+                  </a:txBody>
+                  <a:tcPr/>
+                </a:tc>
+                <a:tc>
+                  <a:txBody>
+                    <a:bodyPr/>
+                    <a:lstStyle/>
+                    <a:p>
+                      <a:endParaRPr lang="en-US" sz="1600" dirty="0"/>
+                    </a:p>
+                  </a:txBody>
+                  <a:tcPr/>
+                </a:tc>
+                <a:tc>
+                  <a:txBody>
+                    <a:bodyPr/>
+                    <a:lstStyle/>
+                    <a:p>
+                      <a:endParaRPr lang="en-US" dirty="0"/>
+                    </a:p>
+                  </a:txBody>
+                  <a:tcPr/>
+                </a:tc>
+                <a:tc>
+                  <a:txBody>
+                    <a:bodyPr/>
+                    <a:lstStyle/>
+                    <a:p>
+                      <a:endParaRPr lang="en-US" dirty="0"/>
+                    </a:p>
+                  </a:txBody>
+                  <a:tcPr/>
+                </a:tc>
+              </a:tr>
+            </a:tbl>
+          </a:graphicData>
+        </a:graphic>
+      </p:graphicFrame>
+      <p:sp>
+        <p:nvSpPr>
+          <p:cNvPr id="13" name="TextBox 12"/>
+          <p:cNvSpPr txBox="1"/>
+          <p:nvPr/>
+        </p:nvSpPr>
+        <p:spPr>
+          <a:xfrm>
+            <a:off x="251130" y="4495800"/>
+            <a:ext cx="1901952" cy="461665"/>
+          </a:xfrm>
+          <a:prstGeom prst="rect">
+            <a:avLst/>
+          </a:prstGeom>
+        </p:spPr>
+        <p:style>
+          <a:lnRef idx="0">
+            <a:schemeClr val="accent4"/>
+          </a:lnRef>
+          <a:fillRef idx="3">
+            <a:schemeClr val="accent4"/>
+          </a:fillRef>
+          <a:effectRef idx="3">
+            <a:schemeClr val="accent4"/>
+          </a:effectRef>
+          <a:fontRef idx="minor">
+            <a:schemeClr val="lt1"/>
+          </a:fontRef>
+        </p:style>
+        <p:txBody>
+          <a:bodyPr wrap="square" rtlCol="0">
+            <a:spAutoFit/>
+          </a:bodyPr>
+          <a:lstStyle/>
+          <a:p>
+            <a:pPr algn="ctr"/>
+            <a:r>
+              <a:rPr lang="en-US" sz="2400" dirty="0" smtClean="0"/>
+              <a:t>Student List</a:t>
+            </a:r>
+            <a:endParaRPr lang="en-US" sz="2400" dirty="0"/>
           </a:p>
         </p:txBody>
       </p:sp>

--- a/Assignments/Gradebook App PowerPont/Austin Brand/Javascript_Gradebook_Storyboard.pptx
+++ b/Assignments/Gradebook App PowerPont/Austin Brand/Javascript_Gradebook_Storyboard.pptx
@@ -5808,14 +5808,14 @@
           <p:nvPr>
             <p:extLst>
               <p:ext uri="{D42A27DB-BD31-4B8C-83A1-F6EECF244321}">
-                <p14:modId xmlns:p14="http://schemas.microsoft.com/office/powerpoint/2010/main" val="3843508669"/>
+                <p14:modId xmlns:p14="http://schemas.microsoft.com/office/powerpoint/2010/main" val="1467951442"/>
               </p:ext>
             </p:extLst>
           </p:nvPr>
         </p:nvGraphicFramePr>
         <p:xfrm>
-          <a:off x="2514602" y="1414780"/>
-          <a:ext cx="6477000" cy="5227320"/>
+          <a:off x="2514600" y="3035807"/>
+          <a:ext cx="6477001" cy="3745085"/>
         </p:xfrm>
         <a:graphic>
           <a:graphicData uri="http://schemas.openxmlformats.org/drawingml/2006/table">
@@ -5824,13 +5824,14 @@
                 <a:tableStyleId>{5C22544A-7EE6-4342-B048-85BDC9FD1C3A}</a:tableStyleId>
               </a:tblPr>
               <a:tblGrid>
-                <a:gridCol w="1216338"/>
-                <a:gridCol w="1216338"/>
-                <a:gridCol w="1377322"/>
-                <a:gridCol w="1055354"/>
-                <a:gridCol w="1611648"/>
+                <a:gridCol w="1105997"/>
+                <a:gridCol w="935843"/>
+                <a:gridCol w="680613"/>
+                <a:gridCol w="669440"/>
+                <a:gridCol w="1542554"/>
+                <a:gridCol w="1542554"/>
               </a:tblGrid>
-              <a:tr h="871220">
+              <a:tr h="530787">
                 <a:tc>
                   <a:txBody>
                     <a:bodyPr/>
@@ -5865,10 +5866,10 @@
                     <a:lstStyle/>
                     <a:p>
                       <a:r>
-                        <a:rPr lang="en-US" sz="1600" dirty="0" smtClean="0"/>
-                        <a:t>Assignments</a:t>
+                        <a:rPr lang="en-US" dirty="0" smtClean="0"/>
+                        <a:t>A</a:t>
                       </a:r>
-                      <a:endParaRPr lang="en-US" sz="1600" dirty="0"/>
+                      <a:endParaRPr lang="en-US" dirty="0"/>
                     </a:p>
                   </a:txBody>
                   <a:tcPr/>
@@ -5880,7 +5881,7 @@
                     <a:p>
                       <a:r>
                         <a:rPr lang="en-US" dirty="0" smtClean="0"/>
-                        <a:t>Grade</a:t>
+                        <a:t>A</a:t>
                       </a:r>
                       <a:endParaRPr lang="en-US" dirty="0"/>
                     </a:p>
@@ -5901,8 +5902,26 @@
                   </a:txBody>
                   <a:tcPr/>
                 </a:tc>
+                <a:tc>
+                  <a:txBody>
+                    <a:bodyPr/>
+                    <a:lstStyle/>
+                    <a:p>
+                      <a:r>
+                        <a:rPr lang="en-US" dirty="0" smtClean="0"/>
+                        <a:t>Grade in</a:t>
+                      </a:r>
+                      <a:r>
+                        <a:rPr lang="en-US" baseline="0" dirty="0" smtClean="0"/>
+                        <a:t> Class</a:t>
+                      </a:r>
+                      <a:endParaRPr lang="en-US" dirty="0"/>
+                    </a:p>
+                  </a:txBody>
+                  <a:tcPr/>
+                </a:tc>
               </a:tr>
-              <a:tr h="871220">
+              <a:tr h="621001">
                 <a:tc>
                   <a:txBody>
                     <a:bodyPr/>
@@ -5928,16 +5947,6 @@
                     <a:bodyPr/>
                     <a:lstStyle/>
                     <a:p>
-                      <a:endParaRPr lang="en-US" sz="1600" dirty="0"/>
-                    </a:p>
-                  </a:txBody>
-                  <a:tcPr/>
-                </a:tc>
-                <a:tc>
-                  <a:txBody>
-                    <a:bodyPr/>
-                    <a:lstStyle/>
-                    <a:p>
                       <a:endParaRPr lang="en-US" dirty="0"/>
                     </a:p>
                   </a:txBody>
@@ -5953,8 +5962,28 @@
                   </a:txBody>
                   <a:tcPr/>
                 </a:tc>
+                <a:tc>
+                  <a:txBody>
+                    <a:bodyPr/>
+                    <a:lstStyle/>
+                    <a:p>
+                      <a:endParaRPr lang="en-US" dirty="0"/>
+                    </a:p>
+                  </a:txBody>
+                  <a:tcPr/>
+                </a:tc>
+                <a:tc>
+                  <a:txBody>
+                    <a:bodyPr/>
+                    <a:lstStyle/>
+                    <a:p>
+                      <a:endParaRPr lang="en-US" dirty="0"/>
+                    </a:p>
+                  </a:txBody>
+                  <a:tcPr/>
+                </a:tc>
               </a:tr>
-              <a:tr h="871220">
+              <a:tr h="621001">
                 <a:tc>
                   <a:txBody>
                     <a:bodyPr/>
@@ -5980,16 +6009,6 @@
                     <a:bodyPr/>
                     <a:lstStyle/>
                     <a:p>
-                      <a:endParaRPr lang="en-US" sz="1600" dirty="0"/>
-                    </a:p>
-                  </a:txBody>
-                  <a:tcPr/>
-                </a:tc>
-                <a:tc>
-                  <a:txBody>
-                    <a:bodyPr/>
-                    <a:lstStyle/>
-                    <a:p>
                       <a:endParaRPr lang="en-US" dirty="0"/>
                     </a:p>
                   </a:txBody>
@@ -6005,8 +6024,28 @@
                   </a:txBody>
                   <a:tcPr/>
                 </a:tc>
+                <a:tc>
+                  <a:txBody>
+                    <a:bodyPr/>
+                    <a:lstStyle/>
+                    <a:p>
+                      <a:endParaRPr lang="en-US" dirty="0"/>
+                    </a:p>
+                  </a:txBody>
+                  <a:tcPr/>
+                </a:tc>
+                <a:tc>
+                  <a:txBody>
+                    <a:bodyPr/>
+                    <a:lstStyle/>
+                    <a:p>
+                      <a:endParaRPr lang="en-US" dirty="0"/>
+                    </a:p>
+                  </a:txBody>
+                  <a:tcPr/>
+                </a:tc>
               </a:tr>
-              <a:tr h="871220">
+              <a:tr h="621001">
                 <a:tc>
                   <a:txBody>
                     <a:bodyPr/>
@@ -6032,16 +6071,6 @@
                     <a:bodyPr/>
                     <a:lstStyle/>
                     <a:p>
-                      <a:endParaRPr lang="en-US" sz="1600" dirty="0"/>
-                    </a:p>
-                  </a:txBody>
-                  <a:tcPr/>
-                </a:tc>
-                <a:tc>
-                  <a:txBody>
-                    <a:bodyPr/>
-                    <a:lstStyle/>
-                    <a:p>
                       <a:endParaRPr lang="en-US" dirty="0"/>
                     </a:p>
                   </a:txBody>
@@ -6057,8 +6086,28 @@
                   </a:txBody>
                   <a:tcPr/>
                 </a:tc>
+                <a:tc>
+                  <a:txBody>
+                    <a:bodyPr/>
+                    <a:lstStyle/>
+                    <a:p>
+                      <a:endParaRPr lang="en-US" dirty="0"/>
+                    </a:p>
+                  </a:txBody>
+                  <a:tcPr/>
+                </a:tc>
+                <a:tc>
+                  <a:txBody>
+                    <a:bodyPr/>
+                    <a:lstStyle/>
+                    <a:p>
+                      <a:endParaRPr lang="en-US" dirty="0"/>
+                    </a:p>
+                  </a:txBody>
+                  <a:tcPr/>
+                </a:tc>
               </a:tr>
-              <a:tr h="871220">
+              <a:tr h="621001">
                 <a:tc>
                   <a:txBody>
                     <a:bodyPr/>
@@ -6084,16 +6133,6 @@
                     <a:bodyPr/>
                     <a:lstStyle/>
                     <a:p>
-                      <a:endParaRPr lang="en-US" sz="1600" dirty="0"/>
-                    </a:p>
-                  </a:txBody>
-                  <a:tcPr/>
-                </a:tc>
-                <a:tc>
-                  <a:txBody>
-                    <a:bodyPr/>
-                    <a:lstStyle/>
-                    <a:p>
                       <a:endParaRPr lang="en-US" dirty="0"/>
                     </a:p>
                   </a:txBody>
@@ -6109,8 +6148,28 @@
                   </a:txBody>
                   <a:tcPr/>
                 </a:tc>
+                <a:tc>
+                  <a:txBody>
+                    <a:bodyPr/>
+                    <a:lstStyle/>
+                    <a:p>
+                      <a:endParaRPr lang="en-US" dirty="0"/>
+                    </a:p>
+                  </a:txBody>
+                  <a:tcPr/>
+                </a:tc>
+                <a:tc>
+                  <a:txBody>
+                    <a:bodyPr/>
+                    <a:lstStyle/>
+                    <a:p>
+                      <a:endParaRPr lang="en-US" dirty="0"/>
+                    </a:p>
+                  </a:txBody>
+                  <a:tcPr/>
+                </a:tc>
               </a:tr>
-              <a:tr h="871220">
+              <a:tr h="621001">
                 <a:tc>
                   <a:txBody>
                     <a:bodyPr/>
@@ -6136,7 +6195,17 @@
                     <a:bodyPr/>
                     <a:lstStyle/>
                     <a:p>
-                      <a:endParaRPr lang="en-US" sz="1600" dirty="0"/>
+                      <a:endParaRPr lang="en-US" dirty="0"/>
+                    </a:p>
+                  </a:txBody>
+                  <a:tcPr/>
+                </a:tc>
+                <a:tc>
+                  <a:txBody>
+                    <a:bodyPr/>
+                    <a:lstStyle/>
+                    <a:p>
+                      <a:endParaRPr lang="en-US" dirty="0"/>
                     </a:p>
                   </a:txBody>
                   <a:tcPr/>
@@ -6210,6 +6279,241 @@
           </a:p>
         </p:txBody>
       </p:sp>
+      <p:graphicFrame>
+        <p:nvGraphicFramePr>
+          <p:cNvPr id="16" name="Table 15"/>
+          <p:cNvGraphicFramePr>
+            <a:graphicFrameLocks noGrp="1"/>
+          </p:cNvGraphicFramePr>
+          <p:nvPr>
+            <p:extLst>
+              <p:ext uri="{D42A27DB-BD31-4B8C-83A1-F6EECF244321}">
+                <p14:modId xmlns:p14="http://schemas.microsoft.com/office/powerpoint/2010/main" val="3562640432"/>
+              </p:ext>
+            </p:extLst>
+          </p:nvPr>
+        </p:nvGraphicFramePr>
+        <p:xfrm>
+          <a:off x="2514600" y="1393190"/>
+          <a:ext cx="6553200" cy="414020"/>
+        </p:xfrm>
+        <a:graphic>
+          <a:graphicData uri="http://schemas.openxmlformats.org/drawingml/2006/table">
+            <a:tbl>
+              <a:tblPr firstRow="1" bandRow="1">
+                <a:tableStyleId>{5C22544A-7EE6-4342-B048-85BDC9FD1C3A}</a:tableStyleId>
+              </a:tblPr>
+              <a:tblGrid>
+                <a:gridCol w="6553200"/>
+              </a:tblGrid>
+              <a:tr h="414020">
+                <a:tc>
+                  <a:txBody>
+                    <a:bodyPr/>
+                    <a:lstStyle/>
+                    <a:p>
+                      <a:r>
+                        <a:rPr lang="en-US" dirty="0" smtClean="0"/>
+                        <a:t>Assignments: </a:t>
+                      </a:r>
+                      <a:endParaRPr lang="en-US" dirty="0"/>
+                    </a:p>
+                  </a:txBody>
+                  <a:tcPr/>
+                </a:tc>
+              </a:tr>
+            </a:tbl>
+          </a:graphicData>
+        </a:graphic>
+      </p:graphicFrame>
+      <p:graphicFrame>
+        <p:nvGraphicFramePr>
+          <p:cNvPr id="17" name="Table 16"/>
+          <p:cNvGraphicFramePr>
+            <a:graphicFrameLocks noGrp="1"/>
+          </p:cNvGraphicFramePr>
+          <p:nvPr>
+            <p:extLst>
+              <p:ext uri="{D42A27DB-BD31-4B8C-83A1-F6EECF244321}">
+                <p14:modId xmlns:p14="http://schemas.microsoft.com/office/powerpoint/2010/main" val="3892285280"/>
+              </p:ext>
+            </p:extLst>
+          </p:nvPr>
+        </p:nvGraphicFramePr>
+        <p:xfrm>
+          <a:off x="2514600" y="1830426"/>
+          <a:ext cx="6096000" cy="640080"/>
+        </p:xfrm>
+        <a:graphic>
+          <a:graphicData uri="http://schemas.openxmlformats.org/drawingml/2006/table">
+            <a:tbl>
+              <a:tblPr firstRow="1" bandRow="1">
+                <a:tableStyleId>{5C22544A-7EE6-4342-B048-85BDC9FD1C3A}</a:tableStyleId>
+              </a:tblPr>
+              <a:tblGrid>
+                <a:gridCol w="1219200"/>
+                <a:gridCol w="812800"/>
+                <a:gridCol w="1016000"/>
+                <a:gridCol w="1016000"/>
+                <a:gridCol w="1016000"/>
+                <a:gridCol w="1016000"/>
+              </a:tblGrid>
+              <a:tr h="370840">
+                <a:tc>
+                  <a:txBody>
+                    <a:bodyPr/>
+                    <a:lstStyle/>
+                    <a:p>
+                      <a:r>
+                        <a:rPr lang="en-US" dirty="0" smtClean="0"/>
+                        <a:t>Classroom CRUD</a:t>
+                      </a:r>
+                      <a:endParaRPr lang="en-US" dirty="0"/>
+                    </a:p>
+                  </a:txBody>
+                  <a:tcPr/>
+                </a:tc>
+                <a:tc>
+                  <a:txBody>
+                    <a:bodyPr/>
+                    <a:lstStyle/>
+                    <a:p>
+                      <a:r>
+                        <a:rPr lang="en-US" u="sng" dirty="0" smtClean="0"/>
+                        <a:t>Add</a:t>
+                      </a:r>
+                      <a:endParaRPr lang="en-US" u="sng" dirty="0"/>
+                    </a:p>
+                  </a:txBody>
+                  <a:tcPr/>
+                </a:tc>
+                <a:tc>
+                  <a:txBody>
+                    <a:bodyPr/>
+                    <a:lstStyle/>
+                    <a:p>
+                      <a:r>
+                        <a:rPr lang="en-US" u="sng" dirty="0" smtClean="0"/>
+                        <a:t>Add</a:t>
+                      </a:r>
+                      <a:endParaRPr lang="en-US" u="sng" dirty="0"/>
+                    </a:p>
+                  </a:txBody>
+                  <a:tcPr/>
+                </a:tc>
+                <a:tc>
+                  <a:txBody>
+                    <a:bodyPr/>
+                    <a:lstStyle/>
+                    <a:p>
+                      <a:r>
+                        <a:rPr lang="en-US" u="sng" dirty="0" smtClean="0"/>
+                        <a:t>Add</a:t>
+                      </a:r>
+                      <a:endParaRPr lang="en-US" u="sng" dirty="0"/>
+                    </a:p>
+                  </a:txBody>
+                  <a:tcPr/>
+                </a:tc>
+                <a:tc>
+                  <a:txBody>
+                    <a:bodyPr/>
+                    <a:lstStyle/>
+                    <a:p>
+                      <a:r>
+                        <a:rPr lang="en-US" u="sng" dirty="0" smtClean="0"/>
+                        <a:t>Add</a:t>
+                      </a:r>
+                      <a:endParaRPr lang="en-US" u="sng" dirty="0"/>
+                    </a:p>
+                  </a:txBody>
+                  <a:tcPr/>
+                </a:tc>
+                <a:tc>
+                  <a:txBody>
+                    <a:bodyPr/>
+                    <a:lstStyle/>
+                    <a:p>
+                      <a:r>
+                        <a:rPr lang="en-US" u="sng" dirty="0" smtClean="0"/>
+                        <a:t>Add</a:t>
+                      </a:r>
+                      <a:endParaRPr lang="en-US" u="sng" dirty="0"/>
+                    </a:p>
+                  </a:txBody>
+                  <a:tcPr/>
+                </a:tc>
+              </a:tr>
+            </a:tbl>
+          </a:graphicData>
+        </a:graphic>
+      </p:graphicFrame>
+      <p:cxnSp>
+        <p:nvCxnSpPr>
+          <p:cNvPr id="19" name="Straight Arrow Connector 18"/>
+          <p:cNvCxnSpPr/>
+          <p:nvPr/>
+        </p:nvCxnSpPr>
+        <p:spPr>
+          <a:xfrm>
+            <a:off x="4191000" y="2514599"/>
+            <a:ext cx="533400" cy="521208"/>
+          </a:xfrm>
+          <a:prstGeom prst="straightConnector1">
+            <a:avLst/>
+          </a:prstGeom>
+          <a:ln>
+            <a:tailEnd type="arrow"/>
+          </a:ln>
+        </p:spPr>
+        <p:style>
+          <a:lnRef idx="3">
+            <a:schemeClr val="accent4"/>
+          </a:lnRef>
+          <a:fillRef idx="0">
+            <a:schemeClr val="accent4"/>
+          </a:fillRef>
+          <a:effectRef idx="2">
+            <a:schemeClr val="accent4"/>
+          </a:effectRef>
+          <a:fontRef idx="minor">
+            <a:schemeClr val="tx1"/>
+          </a:fontRef>
+        </p:style>
+      </p:cxnSp>
+      <p:cxnSp>
+        <p:nvCxnSpPr>
+          <p:cNvPr id="21" name="Straight Arrow Connector 20"/>
+          <p:cNvCxnSpPr/>
+          <p:nvPr/>
+        </p:nvCxnSpPr>
+        <p:spPr>
+          <a:xfrm>
+            <a:off x="5029200" y="2514599"/>
+            <a:ext cx="381000" cy="521208"/>
+          </a:xfrm>
+          <a:prstGeom prst="straightConnector1">
+            <a:avLst/>
+          </a:prstGeom>
+          <a:ln>
+            <a:tailEnd type="arrow"/>
+          </a:ln>
+        </p:spPr>
+        <p:style>
+          <a:lnRef idx="3">
+            <a:schemeClr val="accent4"/>
+          </a:lnRef>
+          <a:fillRef idx="0">
+            <a:schemeClr val="accent4"/>
+          </a:fillRef>
+          <a:effectRef idx="2">
+            <a:schemeClr val="accent4"/>
+          </a:effectRef>
+          <a:fontRef idx="minor">
+            <a:schemeClr val="tx1"/>
+          </a:fontRef>
+        </p:style>
+      </p:cxnSp>
     </p:spTree>
     <p:extLst>
       <p:ext uri="{BB962C8B-B14F-4D97-AF65-F5344CB8AC3E}">

--- a/Assignments/Gradebook App PowerPont/Austin Brand/Javascript_Gradebook_Storyboard.pptx
+++ b/Assignments/Gradebook App PowerPont/Austin Brand/Javascript_Gradebook_Storyboard.pptx
@@ -6551,6 +6551,175 @@
           <a:chExt cx="0" cy="0"/>
         </a:xfrm>
       </p:grpSpPr>
+      <p:sp>
+        <p:nvSpPr>
+          <p:cNvPr id="2" name="TextBox 1"/>
+          <p:cNvSpPr txBox="1"/>
+          <p:nvPr/>
+        </p:nvSpPr>
+        <p:spPr>
+          <a:xfrm>
+            <a:off x="609600" y="2514600"/>
+            <a:ext cx="1638300" cy="646331"/>
+          </a:xfrm>
+          <a:prstGeom prst="rect">
+            <a:avLst/>
+          </a:prstGeom>
+          <a:noFill/>
+        </p:spPr>
+        <p:txBody>
+          <a:bodyPr wrap="square" rtlCol="0">
+            <a:spAutoFit/>
+          </a:bodyPr>
+          <a:lstStyle/>
+          <a:p>
+            <a:r>
+              <a:rPr lang="en-US" sz="3600" dirty="0" smtClean="0"/>
+              <a:t>Email: </a:t>
+            </a:r>
+            <a:endParaRPr lang="en-US" sz="3600" dirty="0"/>
+          </a:p>
+        </p:txBody>
+      </p:sp>
+      <p:sp>
+        <p:nvSpPr>
+          <p:cNvPr id="3" name="TextBox 2"/>
+          <p:cNvSpPr txBox="1"/>
+          <p:nvPr/>
+        </p:nvSpPr>
+        <p:spPr>
+          <a:xfrm>
+            <a:off x="1066800" y="457200"/>
+            <a:ext cx="7010400" cy="1015663"/>
+          </a:xfrm>
+          <a:prstGeom prst="rect">
+            <a:avLst/>
+          </a:prstGeom>
+          <a:noFill/>
+        </p:spPr>
+        <p:txBody>
+          <a:bodyPr wrap="square" rtlCol="0">
+            <a:spAutoFit/>
+          </a:bodyPr>
+          <a:lstStyle/>
+          <a:p>
+            <a:pPr algn="ctr"/>
+            <a:r>
+              <a:rPr lang="en-US" sz="6000" dirty="0" smtClean="0"/>
+              <a:t>Sign in </a:t>
+            </a:r>
+            <a:endParaRPr lang="en-US" sz="6000" dirty="0"/>
+          </a:p>
+        </p:txBody>
+      </p:sp>
+      <p:sp>
+        <p:nvSpPr>
+          <p:cNvPr id="4" name="TextBox 3"/>
+          <p:cNvSpPr txBox="1"/>
+          <p:nvPr/>
+        </p:nvSpPr>
+        <p:spPr>
+          <a:xfrm>
+            <a:off x="609600" y="4191000"/>
+            <a:ext cx="2286000" cy="646331"/>
+          </a:xfrm>
+          <a:prstGeom prst="rect">
+            <a:avLst/>
+          </a:prstGeom>
+          <a:noFill/>
+        </p:spPr>
+        <p:txBody>
+          <a:bodyPr wrap="square" rtlCol="0">
+            <a:spAutoFit/>
+          </a:bodyPr>
+          <a:lstStyle/>
+          <a:p>
+            <a:r>
+              <a:rPr lang="en-US" sz="3600" dirty="0" smtClean="0"/>
+              <a:t>Password: </a:t>
+            </a:r>
+            <a:endParaRPr lang="en-US" sz="3600" dirty="0"/>
+          </a:p>
+        </p:txBody>
+      </p:sp>
+      <p:sp>
+        <p:nvSpPr>
+          <p:cNvPr id="5" name="TextBox 4"/>
+          <p:cNvSpPr txBox="1"/>
+          <p:nvPr/>
+        </p:nvSpPr>
+        <p:spPr>
+          <a:xfrm>
+            <a:off x="2057400" y="2667000"/>
+            <a:ext cx="2438400" cy="369332"/>
+          </a:xfrm>
+          <a:prstGeom prst="rect">
+            <a:avLst/>
+          </a:prstGeom>
+        </p:spPr>
+        <p:style>
+          <a:lnRef idx="2">
+            <a:schemeClr val="accent4"/>
+          </a:lnRef>
+          <a:fillRef idx="1">
+            <a:schemeClr val="lt1"/>
+          </a:fillRef>
+          <a:effectRef idx="0">
+            <a:schemeClr val="accent4"/>
+          </a:effectRef>
+          <a:fontRef idx="minor">
+            <a:schemeClr val="dk1"/>
+          </a:fontRef>
+        </p:style>
+        <p:txBody>
+          <a:bodyPr wrap="square" rtlCol="0">
+            <a:spAutoFit/>
+          </a:bodyPr>
+          <a:lstStyle/>
+          <a:p>
+            <a:endParaRPr lang="en-US" dirty="0"/>
+          </a:p>
+        </p:txBody>
+      </p:sp>
+      <p:sp>
+        <p:nvSpPr>
+          <p:cNvPr id="6" name="TextBox 5"/>
+          <p:cNvSpPr txBox="1"/>
+          <p:nvPr/>
+        </p:nvSpPr>
+        <p:spPr>
+          <a:xfrm>
+            <a:off x="2819400" y="4329499"/>
+            <a:ext cx="2438400" cy="369332"/>
+          </a:xfrm>
+          <a:prstGeom prst="rect">
+            <a:avLst/>
+          </a:prstGeom>
+        </p:spPr>
+        <p:style>
+          <a:lnRef idx="2">
+            <a:schemeClr val="accent4"/>
+          </a:lnRef>
+          <a:fillRef idx="1">
+            <a:schemeClr val="lt1"/>
+          </a:fillRef>
+          <a:effectRef idx="0">
+            <a:schemeClr val="accent4"/>
+          </a:effectRef>
+          <a:fontRef idx="minor">
+            <a:schemeClr val="dk1"/>
+          </a:fontRef>
+        </p:style>
+        <p:txBody>
+          <a:bodyPr wrap="square" rtlCol="0">
+            <a:spAutoFit/>
+          </a:bodyPr>
+          <a:lstStyle/>
+          <a:p>
+            <a:endParaRPr lang="en-US" dirty="0"/>
+          </a:p>
+        </p:txBody>
+      </p:sp>
     </p:spTree>
     <p:extLst>
       <p:ext uri="{BB962C8B-B14F-4D97-AF65-F5344CB8AC3E}">

--- a/Assignments/Gradebook App PowerPont/Austin Brand/Javascript_Gradebook_Storyboard.pptx
+++ b/Assignments/Gradebook App PowerPont/Austin Brand/Javascript_Gradebook_Storyboard.pptx
@@ -6,10 +6,10 @@
   </p:sldMasterIdLst>
   <p:sldIdLst>
     <p:sldId id="256" r:id="rId2"/>
-    <p:sldId id="257" r:id="rId3"/>
-    <p:sldId id="259" r:id="rId4"/>
-    <p:sldId id="260" r:id="rId5"/>
-    <p:sldId id="261" r:id="rId6"/>
+    <p:sldId id="261" r:id="rId3"/>
+    <p:sldId id="257" r:id="rId4"/>
+    <p:sldId id="259" r:id="rId5"/>
+    <p:sldId id="260" r:id="rId6"/>
     <p:sldId id="258" r:id="rId7"/>
   </p:sldIdLst>
   <p:sldSz cx="9144000" cy="6858000" type="screen4x3"/>
@@ -3942,13 +3942,182 @@
       </p:grpSpPr>
       <p:sp>
         <p:nvSpPr>
-          <p:cNvPr id="2" name="Rectangle 1"/>
+          <p:cNvPr id="2" name="TextBox 1"/>
+          <p:cNvSpPr txBox="1"/>
+          <p:nvPr/>
+        </p:nvSpPr>
+        <p:spPr>
+          <a:xfrm>
+            <a:off x="3352800" y="2528500"/>
+            <a:ext cx="1638300" cy="646331"/>
+          </a:xfrm>
+          <a:prstGeom prst="rect">
+            <a:avLst/>
+          </a:prstGeom>
+          <a:noFill/>
+        </p:spPr>
+        <p:txBody>
+          <a:bodyPr wrap="square" rtlCol="0">
+            <a:spAutoFit/>
+          </a:bodyPr>
+          <a:lstStyle/>
+          <a:p>
+            <a:r>
+              <a:rPr lang="en-US" sz="3600" dirty="0" smtClean="0"/>
+              <a:t>Email: </a:t>
+            </a:r>
+            <a:endParaRPr lang="en-US" sz="3600" dirty="0"/>
+          </a:p>
+        </p:txBody>
+      </p:sp>
+      <p:sp>
+        <p:nvSpPr>
+          <p:cNvPr id="3" name="TextBox 2"/>
+          <p:cNvSpPr txBox="1"/>
+          <p:nvPr/>
+        </p:nvSpPr>
+        <p:spPr>
+          <a:xfrm>
+            <a:off x="1104363" y="1371600"/>
+            <a:ext cx="7010400" cy="1015663"/>
+          </a:xfrm>
+          <a:prstGeom prst="rect">
+            <a:avLst/>
+          </a:prstGeom>
+          <a:noFill/>
+        </p:spPr>
+        <p:txBody>
+          <a:bodyPr wrap="square" rtlCol="0">
+            <a:spAutoFit/>
+          </a:bodyPr>
+          <a:lstStyle/>
+          <a:p>
+            <a:pPr algn="ctr"/>
+            <a:r>
+              <a:rPr lang="en-US" sz="6000" dirty="0" smtClean="0"/>
+              <a:t>Sign in </a:t>
+            </a:r>
+            <a:endParaRPr lang="en-US" sz="6000" dirty="0"/>
+          </a:p>
+        </p:txBody>
+      </p:sp>
+      <p:sp>
+        <p:nvSpPr>
+          <p:cNvPr id="4" name="TextBox 3"/>
+          <p:cNvSpPr txBox="1"/>
+          <p:nvPr/>
+        </p:nvSpPr>
+        <p:spPr>
+          <a:xfrm>
+            <a:off x="2895600" y="4344575"/>
+            <a:ext cx="2286000" cy="646331"/>
+          </a:xfrm>
+          <a:prstGeom prst="rect">
+            <a:avLst/>
+          </a:prstGeom>
+          <a:noFill/>
+        </p:spPr>
+        <p:txBody>
+          <a:bodyPr wrap="square" rtlCol="0">
+            <a:spAutoFit/>
+          </a:bodyPr>
+          <a:lstStyle/>
+          <a:p>
+            <a:r>
+              <a:rPr lang="en-US" sz="3600" dirty="0" smtClean="0"/>
+              <a:t>Password: </a:t>
+            </a:r>
+            <a:endParaRPr lang="en-US" sz="3600" dirty="0"/>
+          </a:p>
+        </p:txBody>
+      </p:sp>
+      <p:sp>
+        <p:nvSpPr>
+          <p:cNvPr id="5" name="TextBox 4"/>
+          <p:cNvSpPr txBox="1"/>
+          <p:nvPr/>
+        </p:nvSpPr>
+        <p:spPr>
+          <a:xfrm>
+            <a:off x="5334000" y="2667000"/>
+            <a:ext cx="2438400" cy="369332"/>
+          </a:xfrm>
+          <a:prstGeom prst="rect">
+            <a:avLst/>
+          </a:prstGeom>
+        </p:spPr>
+        <p:style>
+          <a:lnRef idx="2">
+            <a:schemeClr val="accent4"/>
+          </a:lnRef>
+          <a:fillRef idx="1">
+            <a:schemeClr val="lt1"/>
+          </a:fillRef>
+          <a:effectRef idx="0">
+            <a:schemeClr val="accent4"/>
+          </a:effectRef>
+          <a:fontRef idx="minor">
+            <a:schemeClr val="dk1"/>
+          </a:fontRef>
+        </p:style>
+        <p:txBody>
+          <a:bodyPr wrap="square" rtlCol="0">
+            <a:spAutoFit/>
+          </a:bodyPr>
+          <a:lstStyle/>
+          <a:p>
+            <a:endParaRPr lang="en-US" dirty="0"/>
+          </a:p>
+        </p:txBody>
+      </p:sp>
+      <p:sp>
+        <p:nvSpPr>
+          <p:cNvPr id="6" name="TextBox 5"/>
+          <p:cNvSpPr txBox="1"/>
+          <p:nvPr/>
+        </p:nvSpPr>
+        <p:spPr>
+          <a:xfrm>
+            <a:off x="5410200" y="4467999"/>
+            <a:ext cx="2438400" cy="369332"/>
+          </a:xfrm>
+          <a:prstGeom prst="rect">
+            <a:avLst/>
+          </a:prstGeom>
+        </p:spPr>
+        <p:style>
+          <a:lnRef idx="2">
+            <a:schemeClr val="accent4"/>
+          </a:lnRef>
+          <a:fillRef idx="1">
+            <a:schemeClr val="lt1"/>
+          </a:fillRef>
+          <a:effectRef idx="0">
+            <a:schemeClr val="accent4"/>
+          </a:effectRef>
+          <a:fontRef idx="minor">
+            <a:schemeClr val="dk1"/>
+          </a:fontRef>
+        </p:style>
+        <p:txBody>
+          <a:bodyPr wrap="square" rtlCol="0">
+            <a:spAutoFit/>
+          </a:bodyPr>
+          <a:lstStyle/>
+          <a:p>
+            <a:endParaRPr lang="en-US" dirty="0"/>
+          </a:p>
+        </p:txBody>
+      </p:sp>
+      <p:sp>
+        <p:nvSpPr>
+          <p:cNvPr id="7" name="Rectangle 6"/>
           <p:cNvSpPr/>
           <p:nvPr/>
         </p:nvSpPr>
         <p:spPr>
           <a:xfrm>
-            <a:off x="0" y="0"/>
+            <a:off x="0" y="5434"/>
             <a:ext cx="9144000" cy="1219200"/>
           </a:xfrm>
           <a:prstGeom prst="rect">
@@ -3978,272 +4147,16 @@
           </a:p>
         </p:txBody>
       </p:sp>
-      <p:sp>
-        <p:nvSpPr>
-          <p:cNvPr id="4" name="Rectangle 3"/>
-          <p:cNvSpPr/>
-          <p:nvPr/>
-        </p:nvSpPr>
-        <p:spPr>
-          <a:xfrm>
-            <a:off x="0" y="1219200"/>
-            <a:ext cx="2362200" cy="5638800"/>
-          </a:xfrm>
-          <a:prstGeom prst="rect">
-            <a:avLst/>
-          </a:prstGeom>
-        </p:spPr>
-        <p:style>
-          <a:lnRef idx="0">
-            <a:schemeClr val="dk1"/>
-          </a:lnRef>
-          <a:fillRef idx="3">
-            <a:schemeClr val="dk1"/>
-          </a:fillRef>
-          <a:effectRef idx="3">
-            <a:schemeClr val="dk1"/>
-          </a:effectRef>
-          <a:fontRef idx="minor">
-            <a:schemeClr val="lt1"/>
-          </a:fontRef>
-        </p:style>
-        <p:txBody>
-          <a:bodyPr rtlCol="0" anchor="ctr"/>
-          <a:lstStyle/>
-          <a:p>
-            <a:pPr algn="ctr"/>
-            <a:endParaRPr lang="en-US"/>
-          </a:p>
-        </p:txBody>
-      </p:sp>
-      <p:sp>
-        <p:nvSpPr>
-          <p:cNvPr id="6" name="TextBox 5"/>
-          <p:cNvSpPr txBox="1"/>
-          <p:nvPr/>
-        </p:nvSpPr>
-        <p:spPr>
-          <a:xfrm>
-            <a:off x="228600" y="1600200"/>
-            <a:ext cx="1905000" cy="523220"/>
-          </a:xfrm>
-          <a:prstGeom prst="rect">
-            <a:avLst/>
-          </a:prstGeom>
-        </p:spPr>
-        <p:style>
-          <a:lnRef idx="0">
-            <a:schemeClr val="accent4"/>
-          </a:lnRef>
-          <a:fillRef idx="3">
-            <a:schemeClr val="accent4"/>
-          </a:fillRef>
-          <a:effectRef idx="3">
-            <a:schemeClr val="accent4"/>
-          </a:effectRef>
-          <a:fontRef idx="minor">
-            <a:schemeClr val="lt1"/>
-          </a:fontRef>
-        </p:style>
-        <p:txBody>
-          <a:bodyPr wrap="square" rtlCol="0">
-            <a:spAutoFit/>
-          </a:bodyPr>
-          <a:lstStyle/>
-          <a:p>
-            <a:pPr algn="ctr"/>
-            <a:r>
-              <a:rPr lang="en-US" sz="2800" dirty="0" smtClean="0"/>
-              <a:t>Classes</a:t>
-            </a:r>
-            <a:endParaRPr lang="en-US" sz="2800" dirty="0"/>
-          </a:p>
-        </p:txBody>
-      </p:sp>
-      <p:sp>
-        <p:nvSpPr>
-          <p:cNvPr id="7" name="TextBox 6"/>
-          <p:cNvSpPr txBox="1"/>
-          <p:nvPr/>
-        </p:nvSpPr>
-        <p:spPr>
-          <a:xfrm>
-            <a:off x="235527" y="3352800"/>
-            <a:ext cx="1905000" cy="461665"/>
-          </a:xfrm>
-          <a:prstGeom prst="rect">
-            <a:avLst/>
-          </a:prstGeom>
-        </p:spPr>
-        <p:style>
-          <a:lnRef idx="0">
-            <a:schemeClr val="accent4"/>
-          </a:lnRef>
-          <a:fillRef idx="3">
-            <a:schemeClr val="accent4"/>
-          </a:fillRef>
-          <a:effectRef idx="3">
-            <a:schemeClr val="accent4"/>
-          </a:effectRef>
-          <a:fontRef idx="minor">
-            <a:schemeClr val="lt1"/>
-          </a:fontRef>
-        </p:style>
-        <p:txBody>
-          <a:bodyPr wrap="square" rtlCol="0">
-            <a:spAutoFit/>
-          </a:bodyPr>
-          <a:lstStyle/>
-          <a:p>
-            <a:pPr algn="ctr"/>
-            <a:r>
-              <a:rPr lang="en-US" sz="2400" dirty="0" smtClean="0"/>
-              <a:t>Teacher Info</a:t>
-            </a:r>
-            <a:endParaRPr lang="en-US" sz="2400" dirty="0"/>
-          </a:p>
-        </p:txBody>
-      </p:sp>
-      <p:sp>
-        <p:nvSpPr>
-          <p:cNvPr id="8" name="TextBox 7"/>
-          <p:cNvSpPr txBox="1"/>
-          <p:nvPr/>
-        </p:nvSpPr>
-        <p:spPr>
-          <a:xfrm>
-            <a:off x="221673" y="5181600"/>
-            <a:ext cx="1898073" cy="707886"/>
-          </a:xfrm>
-          <a:prstGeom prst="rect">
-            <a:avLst/>
-          </a:prstGeom>
-        </p:spPr>
-        <p:style>
-          <a:lnRef idx="0">
-            <a:schemeClr val="accent4"/>
-          </a:lnRef>
-          <a:fillRef idx="3">
-            <a:schemeClr val="accent4"/>
-          </a:fillRef>
-          <a:effectRef idx="3">
-            <a:schemeClr val="accent4"/>
-          </a:effectRef>
-          <a:fontRef idx="minor">
-            <a:schemeClr val="lt1"/>
-          </a:fontRef>
-        </p:style>
-        <p:txBody>
-          <a:bodyPr wrap="square" rtlCol="0">
-            <a:spAutoFit/>
-          </a:bodyPr>
-          <a:lstStyle/>
-          <a:p>
-            <a:pPr algn="ctr"/>
-            <a:r>
-              <a:rPr lang="en-US" sz="2000" dirty="0" smtClean="0"/>
-              <a:t>Teacher Course History</a:t>
-            </a:r>
-            <a:endParaRPr lang="en-US" sz="2000" dirty="0"/>
-          </a:p>
-        </p:txBody>
-      </p:sp>
-      <p:sp>
-        <p:nvSpPr>
-          <p:cNvPr id="9" name="TextBox 8"/>
-          <p:cNvSpPr txBox="1"/>
-          <p:nvPr/>
-        </p:nvSpPr>
-        <p:spPr>
-          <a:xfrm>
-            <a:off x="5638800" y="623455"/>
-            <a:ext cx="1752600" cy="369332"/>
-          </a:xfrm>
-          <a:prstGeom prst="rect">
-            <a:avLst/>
-          </a:prstGeom>
-        </p:spPr>
-        <p:style>
-          <a:lnRef idx="0">
-            <a:schemeClr val="accent2"/>
-          </a:lnRef>
-          <a:fillRef idx="3">
-            <a:schemeClr val="accent2"/>
-          </a:fillRef>
-          <a:effectRef idx="3">
-            <a:schemeClr val="accent2"/>
-          </a:effectRef>
-          <a:fontRef idx="minor">
-            <a:schemeClr val="lt1"/>
-          </a:fontRef>
-        </p:style>
-        <p:txBody>
-          <a:bodyPr wrap="square" rtlCol="0">
-            <a:spAutoFit/>
-          </a:bodyPr>
-          <a:lstStyle/>
-          <a:p>
-            <a:r>
-              <a:rPr lang="en-US" dirty="0" smtClean="0"/>
-              <a:t>Aaron Freeland</a:t>
-            </a:r>
-            <a:endParaRPr lang="en-US" dirty="0"/>
-          </a:p>
-        </p:txBody>
-      </p:sp>
-      <p:sp>
-        <p:nvSpPr>
-          <p:cNvPr id="10" name="TextBox 9"/>
-          <p:cNvSpPr txBox="1"/>
-          <p:nvPr/>
-        </p:nvSpPr>
-        <p:spPr>
-          <a:xfrm>
-            <a:off x="7620000" y="623455"/>
-            <a:ext cx="1143000" cy="369332"/>
-          </a:xfrm>
-          <a:prstGeom prst="rect">
-            <a:avLst/>
-          </a:prstGeom>
-        </p:spPr>
-        <p:style>
-          <a:lnRef idx="0">
-            <a:schemeClr val="accent5"/>
-          </a:lnRef>
-          <a:fillRef idx="3">
-            <a:schemeClr val="accent5"/>
-          </a:fillRef>
-          <a:effectRef idx="3">
-            <a:schemeClr val="accent5"/>
-          </a:effectRef>
-          <a:fontRef idx="minor">
-            <a:schemeClr val="lt1"/>
-          </a:fontRef>
-        </p:style>
-        <p:txBody>
-          <a:bodyPr wrap="square" rtlCol="0">
-            <a:spAutoFit/>
-          </a:bodyPr>
-          <a:lstStyle/>
-          <a:p>
-            <a:r>
-              <a:rPr lang="en-US" dirty="0" smtClean="0"/>
-              <a:t>Log out</a:t>
-            </a:r>
-            <a:endParaRPr lang="en-US" dirty="0"/>
-          </a:p>
-        </p:txBody>
-      </p:sp>
       <p:pic>
         <p:nvPicPr>
-          <p:cNvPr id="1026" name="Picture 2" descr="http://spusurigao.edu.ph/studentportal/Styles/images/gradebook%20icon.png"/>
+          <p:cNvPr id="8" name="Picture 4" descr="http://icons.iconarchive.com/icons/artua/mac/512/Home-icon.png"/>
           <p:cNvPicPr>
             <a:picLocks noChangeAspect="1" noChangeArrowheads="1"/>
           </p:cNvPicPr>
           <p:nvPr/>
         </p:nvPicPr>
         <p:blipFill>
-          <a:blip r:embed="rId2">
+          <a:blip r:embed="rId2" cstate="print">
             <a:extLst>
               <a:ext uri="{28A0092B-C50C-407E-A947-70E740481C1C}">
                 <a14:useLocalDpi xmlns:a14="http://schemas.microsoft.com/office/drawing/2010/main" val="0"/>
@@ -4257,8 +4170,8 @@
         </p:blipFill>
         <p:spPr bwMode="auto">
           <a:xfrm>
-            <a:off x="-52820" y="49049"/>
-            <a:ext cx="2415020" cy="1148811"/>
+            <a:off x="2699905" y="-29972"/>
+            <a:ext cx="1866900" cy="1249172"/>
           </a:xfrm>
           <a:prstGeom prst="rect">
             <a:avLst/>
@@ -4277,14 +4190,14 @@
       </p:pic>
       <p:pic>
         <p:nvPicPr>
-          <p:cNvPr id="1028" name="Picture 4" descr="http://icons.iconarchive.com/icons/artua/mac/512/Home-icon.png"/>
+          <p:cNvPr id="9" name="Picture 2" descr="http://spusurigao.edu.ph/studentportal/Styles/images/gradebook%20icon.png"/>
           <p:cNvPicPr>
             <a:picLocks noChangeAspect="1" noChangeArrowheads="1"/>
           </p:cNvPicPr>
           <p:nvPr/>
         </p:nvPicPr>
         <p:blipFill>
-          <a:blip r:embed="rId3" cstate="print">
+          <a:blip r:embed="rId3">
             <a:extLst>
               <a:ext uri="{28A0092B-C50C-407E-A947-70E740481C1C}">
                 <a14:useLocalDpi xmlns:a14="http://schemas.microsoft.com/office/drawing/2010/main" val="0"/>
@@ -4298,8 +4211,8 @@
         </p:blipFill>
         <p:spPr bwMode="auto">
           <a:xfrm>
-            <a:off x="2699905" y="-29972"/>
-            <a:ext cx="1866900" cy="1249172"/>
+            <a:off x="-52820" y="49049"/>
+            <a:ext cx="2415020" cy="1148811"/>
           </a:xfrm>
           <a:prstGeom prst="rect">
             <a:avLst/>
@@ -4316,53 +4229,10 @@
           </a:extLst>
         </p:spPr>
       </p:pic>
-      <p:sp>
-        <p:nvSpPr>
-          <p:cNvPr id="11" name="TextBox 10"/>
-          <p:cNvSpPr txBox="1"/>
-          <p:nvPr/>
-        </p:nvSpPr>
-        <p:spPr>
-          <a:xfrm>
-            <a:off x="2699905" y="1600200"/>
-            <a:ext cx="6063095" cy="4154984"/>
-          </a:xfrm>
-          <a:prstGeom prst="rect">
-            <a:avLst/>
-          </a:prstGeom>
-        </p:spPr>
-        <p:style>
-          <a:lnRef idx="3">
-            <a:schemeClr val="lt1"/>
-          </a:lnRef>
-          <a:fillRef idx="1">
-            <a:schemeClr val="accent6"/>
-          </a:fillRef>
-          <a:effectRef idx="1">
-            <a:schemeClr val="accent6"/>
-          </a:effectRef>
-          <a:fontRef idx="minor">
-            <a:schemeClr val="lt1"/>
-          </a:fontRef>
-        </p:style>
-        <p:txBody>
-          <a:bodyPr wrap="square" rtlCol="0">
-            <a:spAutoFit/>
-          </a:bodyPr>
-          <a:lstStyle/>
-          <a:p>
-            <a:r>
-              <a:rPr lang="en-US" sz="2400" dirty="0" smtClean="0"/>
-              <a:t>Hello Professor [whatever name person signs in with], this is your central page. From here you can go to the rest of where you need to go. If you click on the classes button, it will take you to a page of all the classes you are teaching. If you click Teacher Info, it will take you to a page that tells your general information like your name, your email, your office hours, and anything else you want to add to your info. If you click Student Course History, it will take you to a history showing all the classes you’ve ever taught.  </a:t>
-            </a:r>
-            <a:endParaRPr lang="en-US" sz="2400" dirty="0"/>
-          </a:p>
-        </p:txBody>
-      </p:sp>
     </p:spTree>
     <p:extLst>
       <p:ext uri="{BB962C8B-B14F-4D97-AF65-F5344CB8AC3E}">
-        <p14:creationId xmlns:p14="http://schemas.microsoft.com/office/powerpoint/2010/main" val="2768272039"/>
+        <p14:creationId xmlns:p14="http://schemas.microsoft.com/office/powerpoint/2010/main" val="3885501408"/>
       </p:ext>
     </p:extLst>
   </p:cSld>
@@ -4398,6 +4268,462 @@
       </p:grpSpPr>
       <p:sp>
         <p:nvSpPr>
+          <p:cNvPr id="2" name="Rectangle 1"/>
+          <p:cNvSpPr/>
+          <p:nvPr/>
+        </p:nvSpPr>
+        <p:spPr>
+          <a:xfrm>
+            <a:off x="0" y="0"/>
+            <a:ext cx="9144000" cy="1219200"/>
+          </a:xfrm>
+          <a:prstGeom prst="rect">
+            <a:avLst/>
+          </a:prstGeom>
+        </p:spPr>
+        <p:style>
+          <a:lnRef idx="0">
+            <a:schemeClr val="accent1"/>
+          </a:lnRef>
+          <a:fillRef idx="3">
+            <a:schemeClr val="accent1"/>
+          </a:fillRef>
+          <a:effectRef idx="3">
+            <a:schemeClr val="accent1"/>
+          </a:effectRef>
+          <a:fontRef idx="minor">
+            <a:schemeClr val="lt1"/>
+          </a:fontRef>
+        </p:style>
+        <p:txBody>
+          <a:bodyPr rtlCol="0" anchor="ctr"/>
+          <a:lstStyle/>
+          <a:p>
+            <a:pPr algn="ctr"/>
+            <a:endParaRPr lang="en-US"/>
+          </a:p>
+        </p:txBody>
+      </p:sp>
+      <p:sp>
+        <p:nvSpPr>
+          <p:cNvPr id="4" name="Rectangle 3"/>
+          <p:cNvSpPr/>
+          <p:nvPr/>
+        </p:nvSpPr>
+        <p:spPr>
+          <a:xfrm>
+            <a:off x="0" y="1219200"/>
+            <a:ext cx="2362200" cy="5638800"/>
+          </a:xfrm>
+          <a:prstGeom prst="rect">
+            <a:avLst/>
+          </a:prstGeom>
+        </p:spPr>
+        <p:style>
+          <a:lnRef idx="0">
+            <a:schemeClr val="dk1"/>
+          </a:lnRef>
+          <a:fillRef idx="3">
+            <a:schemeClr val="dk1"/>
+          </a:fillRef>
+          <a:effectRef idx="3">
+            <a:schemeClr val="dk1"/>
+          </a:effectRef>
+          <a:fontRef idx="minor">
+            <a:schemeClr val="lt1"/>
+          </a:fontRef>
+        </p:style>
+        <p:txBody>
+          <a:bodyPr rtlCol="0" anchor="ctr"/>
+          <a:lstStyle/>
+          <a:p>
+            <a:pPr algn="ctr"/>
+            <a:endParaRPr lang="en-US"/>
+          </a:p>
+        </p:txBody>
+      </p:sp>
+      <p:sp>
+        <p:nvSpPr>
+          <p:cNvPr id="6" name="TextBox 5"/>
+          <p:cNvSpPr txBox="1"/>
+          <p:nvPr/>
+        </p:nvSpPr>
+        <p:spPr>
+          <a:xfrm>
+            <a:off x="228600" y="1600200"/>
+            <a:ext cx="1905000" cy="523220"/>
+          </a:xfrm>
+          <a:prstGeom prst="rect">
+            <a:avLst/>
+          </a:prstGeom>
+        </p:spPr>
+        <p:style>
+          <a:lnRef idx="0">
+            <a:schemeClr val="accent4"/>
+          </a:lnRef>
+          <a:fillRef idx="3">
+            <a:schemeClr val="accent4"/>
+          </a:fillRef>
+          <a:effectRef idx="3">
+            <a:schemeClr val="accent4"/>
+          </a:effectRef>
+          <a:fontRef idx="minor">
+            <a:schemeClr val="lt1"/>
+          </a:fontRef>
+        </p:style>
+        <p:txBody>
+          <a:bodyPr wrap="square" rtlCol="0">
+            <a:spAutoFit/>
+          </a:bodyPr>
+          <a:lstStyle/>
+          <a:p>
+            <a:pPr algn="ctr"/>
+            <a:r>
+              <a:rPr lang="en-US" sz="2800" dirty="0" smtClean="0"/>
+              <a:t>Classes</a:t>
+            </a:r>
+            <a:endParaRPr lang="en-US" sz="2800" dirty="0"/>
+          </a:p>
+        </p:txBody>
+      </p:sp>
+      <p:sp>
+        <p:nvSpPr>
+          <p:cNvPr id="7" name="TextBox 6"/>
+          <p:cNvSpPr txBox="1"/>
+          <p:nvPr/>
+        </p:nvSpPr>
+        <p:spPr>
+          <a:xfrm>
+            <a:off x="235527" y="3352800"/>
+            <a:ext cx="1905000" cy="461665"/>
+          </a:xfrm>
+          <a:prstGeom prst="rect">
+            <a:avLst/>
+          </a:prstGeom>
+        </p:spPr>
+        <p:style>
+          <a:lnRef idx="0">
+            <a:schemeClr val="accent4"/>
+          </a:lnRef>
+          <a:fillRef idx="3">
+            <a:schemeClr val="accent4"/>
+          </a:fillRef>
+          <a:effectRef idx="3">
+            <a:schemeClr val="accent4"/>
+          </a:effectRef>
+          <a:fontRef idx="minor">
+            <a:schemeClr val="lt1"/>
+          </a:fontRef>
+        </p:style>
+        <p:txBody>
+          <a:bodyPr wrap="square" rtlCol="0">
+            <a:spAutoFit/>
+          </a:bodyPr>
+          <a:lstStyle/>
+          <a:p>
+            <a:pPr algn="ctr"/>
+            <a:r>
+              <a:rPr lang="en-US" sz="2400" dirty="0" smtClean="0"/>
+              <a:t>Teacher Info</a:t>
+            </a:r>
+            <a:endParaRPr lang="en-US" sz="2400" dirty="0"/>
+          </a:p>
+        </p:txBody>
+      </p:sp>
+      <p:sp>
+        <p:nvSpPr>
+          <p:cNvPr id="8" name="TextBox 7"/>
+          <p:cNvSpPr txBox="1"/>
+          <p:nvPr/>
+        </p:nvSpPr>
+        <p:spPr>
+          <a:xfrm>
+            <a:off x="221673" y="5181600"/>
+            <a:ext cx="1898073" cy="707886"/>
+          </a:xfrm>
+          <a:prstGeom prst="rect">
+            <a:avLst/>
+          </a:prstGeom>
+        </p:spPr>
+        <p:style>
+          <a:lnRef idx="0">
+            <a:schemeClr val="accent4"/>
+          </a:lnRef>
+          <a:fillRef idx="3">
+            <a:schemeClr val="accent4"/>
+          </a:fillRef>
+          <a:effectRef idx="3">
+            <a:schemeClr val="accent4"/>
+          </a:effectRef>
+          <a:fontRef idx="minor">
+            <a:schemeClr val="lt1"/>
+          </a:fontRef>
+        </p:style>
+        <p:txBody>
+          <a:bodyPr wrap="square" rtlCol="0">
+            <a:spAutoFit/>
+          </a:bodyPr>
+          <a:lstStyle/>
+          <a:p>
+            <a:pPr algn="ctr"/>
+            <a:r>
+              <a:rPr lang="en-US" sz="2000" dirty="0" smtClean="0"/>
+              <a:t>Teacher Course History</a:t>
+            </a:r>
+            <a:endParaRPr lang="en-US" sz="2000" dirty="0"/>
+          </a:p>
+        </p:txBody>
+      </p:sp>
+      <p:sp>
+        <p:nvSpPr>
+          <p:cNvPr id="9" name="TextBox 8"/>
+          <p:cNvSpPr txBox="1"/>
+          <p:nvPr/>
+        </p:nvSpPr>
+        <p:spPr>
+          <a:xfrm>
+            <a:off x="5638800" y="623455"/>
+            <a:ext cx="1752600" cy="369332"/>
+          </a:xfrm>
+          <a:prstGeom prst="rect">
+            <a:avLst/>
+          </a:prstGeom>
+        </p:spPr>
+        <p:style>
+          <a:lnRef idx="0">
+            <a:schemeClr val="accent2"/>
+          </a:lnRef>
+          <a:fillRef idx="3">
+            <a:schemeClr val="accent2"/>
+          </a:fillRef>
+          <a:effectRef idx="3">
+            <a:schemeClr val="accent2"/>
+          </a:effectRef>
+          <a:fontRef idx="minor">
+            <a:schemeClr val="lt1"/>
+          </a:fontRef>
+        </p:style>
+        <p:txBody>
+          <a:bodyPr wrap="square" rtlCol="0">
+            <a:spAutoFit/>
+          </a:bodyPr>
+          <a:lstStyle/>
+          <a:p>
+            <a:r>
+              <a:rPr lang="en-US" dirty="0" smtClean="0"/>
+              <a:t>Aaron Freeland</a:t>
+            </a:r>
+            <a:endParaRPr lang="en-US" dirty="0"/>
+          </a:p>
+        </p:txBody>
+      </p:sp>
+      <p:sp>
+        <p:nvSpPr>
+          <p:cNvPr id="10" name="TextBox 9"/>
+          <p:cNvSpPr txBox="1"/>
+          <p:nvPr/>
+        </p:nvSpPr>
+        <p:spPr>
+          <a:xfrm>
+            <a:off x="7620000" y="623455"/>
+            <a:ext cx="1143000" cy="369332"/>
+          </a:xfrm>
+          <a:prstGeom prst="rect">
+            <a:avLst/>
+          </a:prstGeom>
+        </p:spPr>
+        <p:style>
+          <a:lnRef idx="0">
+            <a:schemeClr val="accent5"/>
+          </a:lnRef>
+          <a:fillRef idx="3">
+            <a:schemeClr val="accent5"/>
+          </a:fillRef>
+          <a:effectRef idx="3">
+            <a:schemeClr val="accent5"/>
+          </a:effectRef>
+          <a:fontRef idx="minor">
+            <a:schemeClr val="lt1"/>
+          </a:fontRef>
+        </p:style>
+        <p:txBody>
+          <a:bodyPr wrap="square" rtlCol="0">
+            <a:spAutoFit/>
+          </a:bodyPr>
+          <a:lstStyle/>
+          <a:p>
+            <a:r>
+              <a:rPr lang="en-US" dirty="0" smtClean="0"/>
+              <a:t>Log out</a:t>
+            </a:r>
+            <a:endParaRPr lang="en-US" dirty="0"/>
+          </a:p>
+        </p:txBody>
+      </p:sp>
+      <p:pic>
+        <p:nvPicPr>
+          <p:cNvPr id="1026" name="Picture 2" descr="http://spusurigao.edu.ph/studentportal/Styles/images/gradebook%20icon.png"/>
+          <p:cNvPicPr>
+            <a:picLocks noChangeAspect="1" noChangeArrowheads="1"/>
+          </p:cNvPicPr>
+          <p:nvPr/>
+        </p:nvPicPr>
+        <p:blipFill>
+          <a:blip r:embed="rId2">
+            <a:extLst>
+              <a:ext uri="{28A0092B-C50C-407E-A947-70E740481C1C}">
+                <a14:useLocalDpi xmlns:a14="http://schemas.microsoft.com/office/drawing/2010/main" val="0"/>
+              </a:ext>
+            </a:extLst>
+          </a:blip>
+          <a:srcRect/>
+          <a:stretch>
+            <a:fillRect/>
+          </a:stretch>
+        </p:blipFill>
+        <p:spPr bwMode="auto">
+          <a:xfrm>
+            <a:off x="-52820" y="49049"/>
+            <a:ext cx="2415020" cy="1148811"/>
+          </a:xfrm>
+          <a:prstGeom prst="rect">
+            <a:avLst/>
+          </a:prstGeom>
+          <a:noFill/>
+          <a:extLst>
+            <a:ext uri="{909E8E84-426E-40DD-AFC4-6F175D3DCCD1}">
+              <a14:hiddenFill xmlns:a14="http://schemas.microsoft.com/office/drawing/2010/main">
+                <a:solidFill>
+                  <a:srgbClr val="FFFFFF"/>
+                </a:solidFill>
+              </a14:hiddenFill>
+            </a:ext>
+          </a:extLst>
+        </p:spPr>
+      </p:pic>
+      <p:pic>
+        <p:nvPicPr>
+          <p:cNvPr id="1028" name="Picture 4" descr="http://icons.iconarchive.com/icons/artua/mac/512/Home-icon.png"/>
+          <p:cNvPicPr>
+            <a:picLocks noChangeAspect="1" noChangeArrowheads="1"/>
+          </p:cNvPicPr>
+          <p:nvPr/>
+        </p:nvPicPr>
+        <p:blipFill>
+          <a:blip r:embed="rId3" cstate="print">
+            <a:extLst>
+              <a:ext uri="{28A0092B-C50C-407E-A947-70E740481C1C}">
+                <a14:useLocalDpi xmlns:a14="http://schemas.microsoft.com/office/drawing/2010/main" val="0"/>
+              </a:ext>
+            </a:extLst>
+          </a:blip>
+          <a:srcRect/>
+          <a:stretch>
+            <a:fillRect/>
+          </a:stretch>
+        </p:blipFill>
+        <p:spPr bwMode="auto">
+          <a:xfrm>
+            <a:off x="2699905" y="-29972"/>
+            <a:ext cx="1866900" cy="1249172"/>
+          </a:xfrm>
+          <a:prstGeom prst="rect">
+            <a:avLst/>
+          </a:prstGeom>
+          <a:noFill/>
+          <a:extLst>
+            <a:ext uri="{909E8E84-426E-40DD-AFC4-6F175D3DCCD1}">
+              <a14:hiddenFill xmlns:a14="http://schemas.microsoft.com/office/drawing/2010/main">
+                <a:solidFill>
+                  <a:srgbClr val="FFFFFF"/>
+                </a:solidFill>
+              </a14:hiddenFill>
+            </a:ext>
+          </a:extLst>
+        </p:spPr>
+      </p:pic>
+      <p:sp>
+        <p:nvSpPr>
+          <p:cNvPr id="11" name="TextBox 10"/>
+          <p:cNvSpPr txBox="1"/>
+          <p:nvPr/>
+        </p:nvSpPr>
+        <p:spPr>
+          <a:xfrm>
+            <a:off x="2699905" y="1600200"/>
+            <a:ext cx="6063095" cy="4154984"/>
+          </a:xfrm>
+          <a:prstGeom prst="rect">
+            <a:avLst/>
+          </a:prstGeom>
+        </p:spPr>
+        <p:style>
+          <a:lnRef idx="3">
+            <a:schemeClr val="lt1"/>
+          </a:lnRef>
+          <a:fillRef idx="1">
+            <a:schemeClr val="accent6"/>
+          </a:fillRef>
+          <a:effectRef idx="1">
+            <a:schemeClr val="accent6"/>
+          </a:effectRef>
+          <a:fontRef idx="minor">
+            <a:schemeClr val="lt1"/>
+          </a:fontRef>
+        </p:style>
+        <p:txBody>
+          <a:bodyPr wrap="square" rtlCol="0">
+            <a:spAutoFit/>
+          </a:bodyPr>
+          <a:lstStyle/>
+          <a:p>
+            <a:r>
+              <a:rPr lang="en-US" sz="2400" dirty="0" smtClean="0"/>
+              <a:t>Hello Professor [whatever name person signs in with], this is your central page. From here you can go to the rest of where you need to go. If you click on the classes button, it will take you to a page of all the classes you are teaching. If you click Teacher Info, it will take you to a page that tells your general information like your name, your email, your office hours, and anything else you want to add to your info. If you click Student Course History, it will take you to a history showing all the classes you’ve ever taught.  </a:t>
+            </a:r>
+            <a:endParaRPr lang="en-US" sz="2400" dirty="0"/>
+          </a:p>
+        </p:txBody>
+      </p:sp>
+    </p:spTree>
+    <p:extLst>
+      <p:ext uri="{BB962C8B-B14F-4D97-AF65-F5344CB8AC3E}">
+        <p14:creationId xmlns:p14="http://schemas.microsoft.com/office/powerpoint/2010/main" val="2768272039"/>
+      </p:ext>
+    </p:extLst>
+  </p:cSld>
+  <p:clrMapOvr>
+    <a:masterClrMapping/>
+  </p:clrMapOvr>
+  <p:timing>
+    <p:tnLst>
+      <p:par>
+        <p:cTn id="1" dur="indefinite" restart="never" nodeType="tmRoot"/>
+      </p:par>
+    </p:tnLst>
+  </p:timing>
+</p:sld>
+</file>
+
+<file path=ppt/slides/slide4.xml><?xml version="1.0" encoding="utf-8"?>
+<p:sld xmlns:a="http://schemas.openxmlformats.org/drawingml/2006/main" xmlns:r="http://schemas.openxmlformats.org/officeDocument/2006/relationships" xmlns:p="http://schemas.openxmlformats.org/presentationml/2006/main">
+  <p:cSld>
+    <p:spTree>
+      <p:nvGrpSpPr>
+        <p:cNvPr id="1" name=""/>
+        <p:cNvGrpSpPr/>
+        <p:nvPr/>
+      </p:nvGrpSpPr>
+      <p:grpSpPr>
+        <a:xfrm>
+          <a:off x="0" y="0"/>
+          <a:ext cx="0" cy="0"/>
+          <a:chOff x="0" y="0"/>
+          <a:chExt cx="0" cy="0"/>
+        </a:xfrm>
+      </p:grpSpPr>
+      <p:sp>
+        <p:nvSpPr>
           <p:cNvPr id="3" name="Rectangle 2"/>
           <p:cNvSpPr/>
           <p:nvPr/>
@@ -4659,13 +4985,13 @@
         </p:spPr>
         <p:style>
           <a:lnRef idx="0">
-            <a:schemeClr val="accent4"/>
+            <a:schemeClr val="accent6"/>
           </a:lnRef>
           <a:fillRef idx="3">
-            <a:schemeClr val="accent4"/>
+            <a:schemeClr val="accent6"/>
           </a:fillRef>
           <a:effectRef idx="3">
-            <a:schemeClr val="accent4"/>
+            <a:schemeClr val="accent6"/>
           </a:effectRef>
           <a:fontRef idx="minor">
             <a:schemeClr val="lt1"/>
@@ -5360,7 +5686,7 @@
 </p:sld>
 </file>
 
-<file path=ppt/slides/slide4.xml><?xml version="1.0" encoding="utf-8"?>
+<file path=ppt/slides/slide5.xml><?xml version="1.0" encoding="utf-8"?>
 <p:sld xmlns:a="http://schemas.openxmlformats.org/drawingml/2006/main" xmlns:r="http://schemas.openxmlformats.org/officeDocument/2006/relationships" xmlns:p="http://schemas.openxmlformats.org/presentationml/2006/main">
   <p:cSld>
     <p:spTree>
@@ -5684,13 +6010,13 @@
         </p:spPr>
         <p:style>
           <a:lnRef idx="0">
-            <a:schemeClr val="accent4"/>
+            <a:schemeClr val="accent6"/>
           </a:lnRef>
           <a:fillRef idx="3">
-            <a:schemeClr val="accent4"/>
+            <a:schemeClr val="accent6"/>
           </a:fillRef>
           <a:effectRef idx="3">
-            <a:schemeClr val="accent4"/>
+            <a:schemeClr val="accent6"/>
           </a:effectRef>
           <a:fontRef idx="minor">
             <a:schemeClr val="lt1"/>
@@ -6518,212 +6844,6 @@
     <p:extLst>
       <p:ext uri="{BB962C8B-B14F-4D97-AF65-F5344CB8AC3E}">
         <p14:creationId xmlns:p14="http://schemas.microsoft.com/office/powerpoint/2010/main" val="1675753154"/>
-      </p:ext>
-    </p:extLst>
-  </p:cSld>
-  <p:clrMapOvr>
-    <a:masterClrMapping/>
-  </p:clrMapOvr>
-  <p:timing>
-    <p:tnLst>
-      <p:par>
-        <p:cTn id="1" dur="indefinite" restart="never" nodeType="tmRoot"/>
-      </p:par>
-    </p:tnLst>
-  </p:timing>
-</p:sld>
-</file>
-
-<file path=ppt/slides/slide5.xml><?xml version="1.0" encoding="utf-8"?>
-<p:sld xmlns:a="http://schemas.openxmlformats.org/drawingml/2006/main" xmlns:r="http://schemas.openxmlformats.org/officeDocument/2006/relationships" xmlns:p="http://schemas.openxmlformats.org/presentationml/2006/main">
-  <p:cSld>
-    <p:spTree>
-      <p:nvGrpSpPr>
-        <p:cNvPr id="1" name=""/>
-        <p:cNvGrpSpPr/>
-        <p:nvPr/>
-      </p:nvGrpSpPr>
-      <p:grpSpPr>
-        <a:xfrm>
-          <a:off x="0" y="0"/>
-          <a:ext cx="0" cy="0"/>
-          <a:chOff x="0" y="0"/>
-          <a:chExt cx="0" cy="0"/>
-        </a:xfrm>
-      </p:grpSpPr>
-      <p:sp>
-        <p:nvSpPr>
-          <p:cNvPr id="2" name="TextBox 1"/>
-          <p:cNvSpPr txBox="1"/>
-          <p:nvPr/>
-        </p:nvSpPr>
-        <p:spPr>
-          <a:xfrm>
-            <a:off x="609600" y="2514600"/>
-            <a:ext cx="1638300" cy="646331"/>
-          </a:xfrm>
-          <a:prstGeom prst="rect">
-            <a:avLst/>
-          </a:prstGeom>
-          <a:noFill/>
-        </p:spPr>
-        <p:txBody>
-          <a:bodyPr wrap="square" rtlCol="0">
-            <a:spAutoFit/>
-          </a:bodyPr>
-          <a:lstStyle/>
-          <a:p>
-            <a:r>
-              <a:rPr lang="en-US" sz="3600" dirty="0" smtClean="0"/>
-              <a:t>Email: </a:t>
-            </a:r>
-            <a:endParaRPr lang="en-US" sz="3600" dirty="0"/>
-          </a:p>
-        </p:txBody>
-      </p:sp>
-      <p:sp>
-        <p:nvSpPr>
-          <p:cNvPr id="3" name="TextBox 2"/>
-          <p:cNvSpPr txBox="1"/>
-          <p:nvPr/>
-        </p:nvSpPr>
-        <p:spPr>
-          <a:xfrm>
-            <a:off x="1066800" y="457200"/>
-            <a:ext cx="7010400" cy="1015663"/>
-          </a:xfrm>
-          <a:prstGeom prst="rect">
-            <a:avLst/>
-          </a:prstGeom>
-          <a:noFill/>
-        </p:spPr>
-        <p:txBody>
-          <a:bodyPr wrap="square" rtlCol="0">
-            <a:spAutoFit/>
-          </a:bodyPr>
-          <a:lstStyle/>
-          <a:p>
-            <a:pPr algn="ctr"/>
-            <a:r>
-              <a:rPr lang="en-US" sz="6000" dirty="0" smtClean="0"/>
-              <a:t>Sign in </a:t>
-            </a:r>
-            <a:endParaRPr lang="en-US" sz="6000" dirty="0"/>
-          </a:p>
-        </p:txBody>
-      </p:sp>
-      <p:sp>
-        <p:nvSpPr>
-          <p:cNvPr id="4" name="TextBox 3"/>
-          <p:cNvSpPr txBox="1"/>
-          <p:nvPr/>
-        </p:nvSpPr>
-        <p:spPr>
-          <a:xfrm>
-            <a:off x="609600" y="4191000"/>
-            <a:ext cx="2286000" cy="646331"/>
-          </a:xfrm>
-          <a:prstGeom prst="rect">
-            <a:avLst/>
-          </a:prstGeom>
-          <a:noFill/>
-        </p:spPr>
-        <p:txBody>
-          <a:bodyPr wrap="square" rtlCol="0">
-            <a:spAutoFit/>
-          </a:bodyPr>
-          <a:lstStyle/>
-          <a:p>
-            <a:r>
-              <a:rPr lang="en-US" sz="3600" dirty="0" smtClean="0"/>
-              <a:t>Password: </a:t>
-            </a:r>
-            <a:endParaRPr lang="en-US" sz="3600" dirty="0"/>
-          </a:p>
-        </p:txBody>
-      </p:sp>
-      <p:sp>
-        <p:nvSpPr>
-          <p:cNvPr id="5" name="TextBox 4"/>
-          <p:cNvSpPr txBox="1"/>
-          <p:nvPr/>
-        </p:nvSpPr>
-        <p:spPr>
-          <a:xfrm>
-            <a:off x="2057400" y="2667000"/>
-            <a:ext cx="2438400" cy="369332"/>
-          </a:xfrm>
-          <a:prstGeom prst="rect">
-            <a:avLst/>
-          </a:prstGeom>
-        </p:spPr>
-        <p:style>
-          <a:lnRef idx="2">
-            <a:schemeClr val="accent4"/>
-          </a:lnRef>
-          <a:fillRef idx="1">
-            <a:schemeClr val="lt1"/>
-          </a:fillRef>
-          <a:effectRef idx="0">
-            <a:schemeClr val="accent4"/>
-          </a:effectRef>
-          <a:fontRef idx="minor">
-            <a:schemeClr val="dk1"/>
-          </a:fontRef>
-        </p:style>
-        <p:txBody>
-          <a:bodyPr wrap="square" rtlCol="0">
-            <a:spAutoFit/>
-          </a:bodyPr>
-          <a:lstStyle/>
-          <a:p>
-            <a:endParaRPr lang="en-US" dirty="0"/>
-          </a:p>
-        </p:txBody>
-      </p:sp>
-      <p:sp>
-        <p:nvSpPr>
-          <p:cNvPr id="6" name="TextBox 5"/>
-          <p:cNvSpPr txBox="1"/>
-          <p:nvPr/>
-        </p:nvSpPr>
-        <p:spPr>
-          <a:xfrm>
-            <a:off x="2819400" y="4329499"/>
-            <a:ext cx="2438400" cy="369332"/>
-          </a:xfrm>
-          <a:prstGeom prst="rect">
-            <a:avLst/>
-          </a:prstGeom>
-        </p:spPr>
-        <p:style>
-          <a:lnRef idx="2">
-            <a:schemeClr val="accent4"/>
-          </a:lnRef>
-          <a:fillRef idx="1">
-            <a:schemeClr val="lt1"/>
-          </a:fillRef>
-          <a:effectRef idx="0">
-            <a:schemeClr val="accent4"/>
-          </a:effectRef>
-          <a:fontRef idx="minor">
-            <a:schemeClr val="dk1"/>
-          </a:fontRef>
-        </p:style>
-        <p:txBody>
-          <a:bodyPr wrap="square" rtlCol="0">
-            <a:spAutoFit/>
-          </a:bodyPr>
-          <a:lstStyle/>
-          <a:p>
-            <a:endParaRPr lang="en-US" dirty="0"/>
-          </a:p>
-        </p:txBody>
-      </p:sp>
-    </p:spTree>
-    <p:extLst>
-      <p:ext uri="{BB962C8B-B14F-4D97-AF65-F5344CB8AC3E}">
-        <p14:creationId xmlns:p14="http://schemas.microsoft.com/office/powerpoint/2010/main" val="3885501408"/>
       </p:ext>
     </p:extLst>
   </p:cSld>

--- a/Assignments/Gradebook App PowerPont/Austin Brand/Javascript_Gradebook_Storyboard.pptx
+++ b/Assignments/Gradebook App PowerPont/Austin Brand/Javascript_Gradebook_Storyboard.pptx
@@ -4211,7 +4211,7 @@
         </p:blipFill>
         <p:spPr bwMode="auto">
           <a:xfrm>
-            <a:off x="-52820" y="49049"/>
+            <a:off x="-52820" y="70389"/>
             <a:ext cx="2415020" cy="1148811"/>
           </a:xfrm>
           <a:prstGeom prst="rect">
@@ -5109,7 +5109,7 @@
           <p:nvPr>
             <p:extLst>
               <p:ext uri="{D42A27DB-BD31-4B8C-83A1-F6EECF244321}">
-                <p14:modId xmlns:p14="http://schemas.microsoft.com/office/powerpoint/2010/main" val="375725391"/>
+                <p14:modId xmlns:p14="http://schemas.microsoft.com/office/powerpoint/2010/main" val="2028067315"/>
               </p:ext>
             </p:extLst>
           </p:nvPr>
@@ -5582,7 +5582,7 @@
                     <a:bodyPr/>
                     <a:lstStyle/>
                     <a:p>
-                      <a:endParaRPr lang="en-US"/>
+                      <a:endParaRPr lang="en-US" dirty="0"/>
                     </a:p>
                   </a:txBody>
                   <a:tcPr/>
@@ -5663,6 +5663,176 @@
               <a:t>Grades</a:t>
             </a:r>
             <a:endParaRPr lang="en-US" sz="2400" dirty="0"/>
+          </a:p>
+        </p:txBody>
+      </p:sp>
+      <p:sp>
+        <p:nvSpPr>
+          <p:cNvPr id="2" name="Rectangle 1"/>
+          <p:cNvSpPr/>
+          <p:nvPr/>
+        </p:nvSpPr>
+        <p:spPr>
+          <a:xfrm>
+            <a:off x="2514600" y="5791200"/>
+            <a:ext cx="6400800" cy="914400"/>
+          </a:xfrm>
+          <a:prstGeom prst="rect">
+            <a:avLst/>
+          </a:prstGeom>
+        </p:spPr>
+        <p:style>
+          <a:lnRef idx="2">
+            <a:schemeClr val="accent1">
+              <a:shade val="50000"/>
+            </a:schemeClr>
+          </a:lnRef>
+          <a:fillRef idx="1">
+            <a:schemeClr val="accent1"/>
+          </a:fillRef>
+          <a:effectRef idx="0">
+            <a:schemeClr val="accent1"/>
+          </a:effectRef>
+          <a:fontRef idx="minor">
+            <a:schemeClr val="lt1"/>
+          </a:fontRef>
+        </p:style>
+        <p:txBody>
+          <a:bodyPr rtlCol="0" anchor="ctr"/>
+          <a:lstStyle/>
+          <a:p>
+            <a:pPr algn="ctr"/>
+            <a:endParaRPr lang="en-US"/>
+          </a:p>
+        </p:txBody>
+      </p:sp>
+      <p:sp>
+        <p:nvSpPr>
+          <p:cNvPr id="10" name="TextBox 9"/>
+          <p:cNvSpPr txBox="1"/>
+          <p:nvPr/>
+        </p:nvSpPr>
+        <p:spPr>
+          <a:xfrm>
+            <a:off x="2819400" y="6063734"/>
+            <a:ext cx="1600200" cy="369332"/>
+          </a:xfrm>
+          <a:prstGeom prst="rect">
+            <a:avLst/>
+          </a:prstGeom>
+        </p:spPr>
+        <p:style>
+          <a:lnRef idx="2">
+            <a:schemeClr val="accent2"/>
+          </a:lnRef>
+          <a:fillRef idx="1">
+            <a:schemeClr val="lt1"/>
+          </a:fillRef>
+          <a:effectRef idx="0">
+            <a:schemeClr val="accent2"/>
+          </a:effectRef>
+          <a:fontRef idx="minor">
+            <a:schemeClr val="dk1"/>
+          </a:fontRef>
+        </p:style>
+        <p:txBody>
+          <a:bodyPr wrap="square" rtlCol="0">
+            <a:spAutoFit/>
+          </a:bodyPr>
+          <a:lstStyle/>
+          <a:p>
+            <a:pPr algn="ctr"/>
+            <a:r>
+              <a:rPr lang="en-US" dirty="0" smtClean="0"/>
+              <a:t>Add </a:t>
+            </a:r>
+            <a:endParaRPr lang="en-US" dirty="0"/>
+          </a:p>
+        </p:txBody>
+      </p:sp>
+      <p:sp>
+        <p:nvSpPr>
+          <p:cNvPr id="15" name="Rectangle 14"/>
+          <p:cNvSpPr/>
+          <p:nvPr/>
+        </p:nvSpPr>
+        <p:spPr>
+          <a:xfrm>
+            <a:off x="4914900" y="6063734"/>
+            <a:ext cx="1600200" cy="369332"/>
+          </a:xfrm>
+          <a:prstGeom prst="rect">
+            <a:avLst/>
+          </a:prstGeom>
+        </p:spPr>
+        <p:style>
+          <a:lnRef idx="2">
+            <a:schemeClr val="accent3"/>
+          </a:lnRef>
+          <a:fillRef idx="1">
+            <a:schemeClr val="lt1"/>
+          </a:fillRef>
+          <a:effectRef idx="0">
+            <a:schemeClr val="accent3"/>
+          </a:effectRef>
+          <a:fontRef idx="minor">
+            <a:schemeClr val="dk1"/>
+          </a:fontRef>
+        </p:style>
+        <p:txBody>
+          <a:bodyPr rtlCol="0" anchor="ctr"/>
+          <a:lstStyle/>
+          <a:p>
+            <a:pPr algn="ctr"/>
+            <a:r>
+              <a:rPr lang="en-US" dirty="0" smtClean="0"/>
+              <a:t>Edit</a:t>
+            </a:r>
+            <a:endParaRPr lang="en-US" dirty="0"/>
+          </a:p>
+        </p:txBody>
+      </p:sp>
+      <p:sp>
+        <p:nvSpPr>
+          <p:cNvPr id="16" name="TextBox 15"/>
+          <p:cNvSpPr txBox="1"/>
+          <p:nvPr/>
+        </p:nvSpPr>
+        <p:spPr>
+          <a:xfrm>
+            <a:off x="6998594" y="6058763"/>
+            <a:ext cx="1447800" cy="369332"/>
+          </a:xfrm>
+          <a:prstGeom prst="rect">
+            <a:avLst/>
+          </a:prstGeom>
+        </p:spPr>
+        <p:style>
+          <a:lnRef idx="2">
+            <a:schemeClr val="accent2"/>
+          </a:lnRef>
+          <a:fillRef idx="1">
+            <a:schemeClr val="lt1"/>
+          </a:fillRef>
+          <a:effectRef idx="0">
+            <a:schemeClr val="accent2"/>
+          </a:effectRef>
+          <a:fontRef idx="minor">
+            <a:schemeClr val="dk1"/>
+          </a:fontRef>
+        </p:style>
+        <p:txBody>
+          <a:bodyPr wrap="square" rtlCol="0">
+            <a:spAutoFit/>
+          </a:bodyPr>
+          <a:lstStyle/>
+          <a:p>
+            <a:pPr algn="ctr"/>
+            <a:r>
+              <a:rPr lang="en-US" dirty="0" smtClean="0"/>
+              <a:t>Delete</a:t>
+            </a:r>
+            <a:endParaRPr lang="en-US" dirty="0"/>
           </a:p>
         </p:txBody>
       </p:sp>
